--- a/Work_5/Documents/Trabajo final.pptx
+++ b/Work_5/Documents/Trabajo final.pptx
@@ -26990,18 +26990,34 @@
               <a:buNone/>
             </a:pPr>
             <a:r>
-              <a:rPr lang="es-PE" dirty="0" err="1" smtClean="0"/>
+              <a:rPr lang="es-PE" b="1" dirty="0" err="1" smtClean="0">
+                <a:solidFill>
+                  <a:schemeClr val="bg1"/>
+                </a:solidFill>
+              </a:rPr>
               <a:t>Low</a:t>
             </a:r>
             <a:r>
-              <a:rPr lang="es-PE" dirty="0" smtClean="0"/>
+              <a:rPr lang="es-PE" b="1" dirty="0" smtClean="0">
+                <a:solidFill>
+                  <a:schemeClr val="bg1"/>
+                </a:solidFill>
+              </a:rPr>
               <a:t> </a:t>
             </a:r>
             <a:r>
-              <a:rPr lang="es-PE" dirty="0" err="1" smtClean="0"/>
+              <a:rPr lang="es-PE" b="1" dirty="0" err="1" smtClean="0">
+                <a:solidFill>
+                  <a:schemeClr val="bg1"/>
+                </a:solidFill>
+              </a:rPr>
               <a:t>threshold</a:t>
             </a:r>
-            <a:endParaRPr lang="es-PE" dirty="0" smtClean="0"/>
+            <a:endParaRPr lang="es-PE" b="1" dirty="0" smtClean="0">
+              <a:solidFill>
+                <a:schemeClr val="bg1"/>
+              </a:solidFill>
+            </a:endParaRPr>
           </a:p>
           <a:p>
             <a:pPr marL="228600" algn="ctr">
@@ -27014,10 +27030,18 @@
               <a:buNone/>
             </a:pPr>
             <a:r>
-              <a:rPr lang="es-PE" dirty="0" smtClean="0"/>
+              <a:rPr lang="es-PE" b="1" dirty="0" smtClean="0">
+                <a:solidFill>
+                  <a:schemeClr val="bg1"/>
+                </a:solidFill>
+              </a:rPr>
               <a:t>(12)</a:t>
             </a:r>
-            <a:endParaRPr lang="en-US" dirty="0" smtClean="0"/>
+            <a:endParaRPr lang="en-US" b="1" dirty="0" smtClean="0">
+              <a:solidFill>
+                <a:schemeClr val="bg1"/>
+              </a:solidFill>
+            </a:endParaRPr>
           </a:p>
         </p:txBody>
       </p:sp>
@@ -27385,14 +27409,26 @@
               <a:buNone/>
             </a:pPr>
             <a:r>
-              <a:rPr lang="es-PE" dirty="0" smtClean="0"/>
+              <a:rPr lang="es-PE" b="1" dirty="0" smtClean="0">
+                <a:solidFill>
+                  <a:schemeClr val="bg1"/>
+                </a:solidFill>
+              </a:rPr>
               <a:t>Smart </a:t>
             </a:r>
             <a:r>
-              <a:rPr lang="es-PE" dirty="0" err="1" smtClean="0"/>
+              <a:rPr lang="es-PE" b="1" dirty="0" err="1" smtClean="0">
+                <a:solidFill>
+                  <a:schemeClr val="bg1"/>
+                </a:solidFill>
+              </a:rPr>
               <a:t>threshold</a:t>
             </a:r>
-            <a:endParaRPr lang="es-PE" dirty="0" smtClean="0"/>
+            <a:endParaRPr lang="es-PE" b="1" dirty="0" smtClean="0">
+              <a:solidFill>
+                <a:schemeClr val="bg1"/>
+              </a:solidFill>
+            </a:endParaRPr>
           </a:p>
           <a:p>
             <a:pPr marL="228600" algn="ctr">
@@ -27405,10 +27441,18 @@
               <a:buNone/>
             </a:pPr>
             <a:r>
-              <a:rPr lang="es-PE" dirty="0" smtClean="0"/>
+              <a:rPr lang="es-PE" b="1" dirty="0" smtClean="0">
+                <a:solidFill>
+                  <a:schemeClr val="bg1"/>
+                </a:solidFill>
+              </a:rPr>
               <a:t>(120)</a:t>
             </a:r>
-            <a:endParaRPr lang="en-US" dirty="0" smtClean="0"/>
+            <a:endParaRPr lang="en-US" b="1" dirty="0" smtClean="0">
+              <a:solidFill>
+                <a:schemeClr val="bg1"/>
+              </a:solidFill>
+            </a:endParaRPr>
           </a:p>
         </p:txBody>
       </p:sp>
@@ -27686,14 +27730,26 @@
               <a:buNone/>
             </a:pPr>
             <a:r>
-              <a:rPr lang="es-PE" dirty="0" smtClean="0"/>
+              <a:rPr lang="es-PE" b="1" dirty="0" smtClean="0">
+                <a:solidFill>
+                  <a:schemeClr val="bg1"/>
+                </a:solidFill>
+              </a:rPr>
               <a:t>High </a:t>
             </a:r>
             <a:r>
-              <a:rPr lang="es-PE" dirty="0" err="1" smtClean="0"/>
+              <a:rPr lang="es-PE" b="1" dirty="0" err="1" smtClean="0">
+                <a:solidFill>
+                  <a:schemeClr val="bg1"/>
+                </a:solidFill>
+              </a:rPr>
               <a:t>threshold</a:t>
             </a:r>
-            <a:endParaRPr lang="es-PE" dirty="0" smtClean="0"/>
+            <a:endParaRPr lang="es-PE" b="1" dirty="0" smtClean="0">
+              <a:solidFill>
+                <a:schemeClr val="bg1"/>
+              </a:solidFill>
+            </a:endParaRPr>
           </a:p>
           <a:p>
             <a:pPr marL="228600" algn="ctr">
@@ -27706,10 +27762,61 @@
               <a:buNone/>
             </a:pPr>
             <a:r>
-              <a:rPr lang="es-PE" dirty="0" smtClean="0"/>
+              <a:rPr lang="es-PE" b="1" dirty="0" smtClean="0">
+                <a:solidFill>
+                  <a:schemeClr val="bg1"/>
+                </a:solidFill>
+              </a:rPr>
               <a:t>(200)</a:t>
             </a:r>
-            <a:endParaRPr lang="en-US" dirty="0" smtClean="0"/>
+            <a:endParaRPr lang="en-US" b="1" dirty="0" smtClean="0">
+              <a:solidFill>
+                <a:schemeClr val="bg1"/>
+              </a:solidFill>
+            </a:endParaRPr>
+          </a:p>
+        </p:txBody>
+      </p:sp>
+      <p:sp>
+        <p:nvSpPr>
+          <p:cNvPr id="4" name="Flecha derecha 3"/>
+          <p:cNvSpPr/>
+          <p:nvPr/>
+        </p:nvSpPr>
+        <p:spPr>
+          <a:xfrm rot="19185866">
+            <a:off x="5457207" y="2923972"/>
+            <a:ext cx="1413213" cy="311918"/>
+          </a:xfrm>
+          <a:prstGeom prst="rightArrow">
+            <a:avLst/>
+          </a:prstGeom>
+          <a:solidFill>
+            <a:srgbClr val="FFFF00"/>
+          </a:solidFill>
+        </p:spPr>
+        <p:style>
+          <a:lnRef idx="2">
+            <a:schemeClr val="accent1">
+              <a:shade val="50000"/>
+            </a:schemeClr>
+          </a:lnRef>
+          <a:fillRef idx="1">
+            <a:schemeClr val="accent1"/>
+          </a:fillRef>
+          <a:effectRef idx="0">
+            <a:schemeClr val="accent1"/>
+          </a:effectRef>
+          <a:fontRef idx="minor">
+            <a:schemeClr val="lt1"/>
+          </a:fontRef>
+        </p:style>
+        <p:txBody>
+          <a:bodyPr rtlCol="0" anchor="ctr"/>
+          <a:lstStyle/>
+          <a:p>
+            <a:pPr algn="ctr"/>
+            <a:endParaRPr lang="en-US"/>
           </a:p>
         </p:txBody>
       </p:sp>
@@ -28587,38 +28694,74 @@
               <a:buNone/>
             </a:pPr>
             <a:r>
-              <a:rPr lang="es-PE" b="1" dirty="0" smtClean="0"/>
+              <a:rPr lang="es-PE" b="1" dirty="0" smtClean="0">
+                <a:solidFill>
+                  <a:schemeClr val="bg1"/>
+                </a:solidFill>
+              </a:rPr>
               <a:t>LAB</a:t>
             </a:r>
             <a:r>
-              <a:rPr lang="es-PE" dirty="0"/>
+              <a:rPr lang="es-PE" b="1" dirty="0">
+                <a:solidFill>
+                  <a:schemeClr val="bg1"/>
+                </a:solidFill>
+              </a:rPr>
               <a:t>: </a:t>
             </a:r>
             <a:r>
-              <a:rPr lang="es-PE" dirty="0" err="1"/>
+              <a:rPr lang="es-PE" b="1" dirty="0" err="1">
+                <a:solidFill>
+                  <a:schemeClr val="bg1"/>
+                </a:solidFill>
+              </a:rPr>
               <a:t>Better</a:t>
             </a:r>
             <a:r>
-              <a:rPr lang="es-PE" dirty="0"/>
+              <a:rPr lang="es-PE" b="1" dirty="0">
+                <a:solidFill>
+                  <a:schemeClr val="bg1"/>
+                </a:solidFill>
+              </a:rPr>
               <a:t> </a:t>
             </a:r>
             <a:r>
-              <a:rPr lang="es-PE" dirty="0" err="1"/>
+              <a:rPr lang="es-PE" b="1" dirty="0" err="1">
+                <a:solidFill>
+                  <a:schemeClr val="bg1"/>
+                </a:solidFill>
+              </a:rPr>
               <a:t>difference</a:t>
             </a:r>
             <a:r>
-              <a:rPr lang="es-PE" dirty="0"/>
+              <a:rPr lang="es-PE" b="1" dirty="0">
+                <a:solidFill>
+                  <a:schemeClr val="bg1"/>
+                </a:solidFill>
+              </a:rPr>
               <a:t> of </a:t>
             </a:r>
             <a:r>
-              <a:rPr lang="es-PE" dirty="0" err="1" smtClean="0"/>
+              <a:rPr lang="es-PE" b="1" dirty="0" err="1" smtClean="0">
+                <a:solidFill>
+                  <a:schemeClr val="bg1"/>
+                </a:solidFill>
+              </a:rPr>
               <a:t>colors</a:t>
             </a:r>
             <a:r>
-              <a:rPr lang="es-PE" dirty="0" smtClean="0"/>
+              <a:rPr lang="es-PE" b="1" dirty="0" smtClean="0">
+                <a:solidFill>
+                  <a:schemeClr val="bg1"/>
+                </a:solidFill>
+              </a:rPr>
               <a:t>.</a:t>
             </a:r>
-            <a:endParaRPr lang="en-US" dirty="0" smtClean="0"/>
+            <a:endParaRPr lang="en-US" b="1" dirty="0" smtClean="0">
+              <a:solidFill>
+                <a:schemeClr val="bg1"/>
+              </a:solidFill>
+            </a:endParaRPr>
           </a:p>
         </p:txBody>
       </p:sp>
@@ -29046,14 +29189,26 @@
               <a:buNone/>
             </a:pPr>
             <a:r>
-              <a:rPr lang="es-PE" dirty="0" smtClean="0"/>
+              <a:rPr lang="es-PE" b="1" dirty="0" smtClean="0">
+                <a:solidFill>
+                  <a:schemeClr val="bg1"/>
+                </a:solidFill>
+              </a:rPr>
               <a:t>Original </a:t>
             </a:r>
             <a:r>
-              <a:rPr lang="es-PE" dirty="0" err="1" smtClean="0"/>
+              <a:rPr lang="es-PE" b="1" dirty="0" err="1" smtClean="0">
+                <a:solidFill>
+                  <a:schemeClr val="bg1"/>
+                </a:solidFill>
+              </a:rPr>
               <a:t>frame</a:t>
             </a:r>
-            <a:endParaRPr lang="en-US" dirty="0" smtClean="0"/>
+            <a:endParaRPr lang="en-US" b="1" dirty="0" smtClean="0">
+              <a:solidFill>
+                <a:schemeClr val="bg1"/>
+              </a:solidFill>
+            </a:endParaRPr>
           </a:p>
         </p:txBody>
       </p:sp>
@@ -29331,22 +29486,42 @@
               <a:buNone/>
             </a:pPr>
             <a:r>
-              <a:rPr lang="es-PE" dirty="0" err="1" smtClean="0"/>
+              <a:rPr lang="es-PE" b="1" dirty="0" err="1" smtClean="0">
+                <a:solidFill>
+                  <a:schemeClr val="bg1"/>
+                </a:solidFill>
+              </a:rPr>
               <a:t>Result</a:t>
             </a:r>
             <a:r>
-              <a:rPr lang="es-PE" dirty="0" smtClean="0"/>
+              <a:rPr lang="es-PE" b="1" dirty="0" smtClean="0">
+                <a:solidFill>
+                  <a:schemeClr val="bg1"/>
+                </a:solidFill>
+              </a:rPr>
               <a:t> of color and LSBP </a:t>
             </a:r>
             <a:r>
-              <a:rPr lang="es-PE" dirty="0" err="1" smtClean="0"/>
+              <a:rPr lang="es-PE" b="1" dirty="0" err="1" smtClean="0">
+                <a:solidFill>
+                  <a:schemeClr val="bg1"/>
+                </a:solidFill>
+              </a:rPr>
               <a:t>difference</a:t>
             </a:r>
             <a:r>
-              <a:rPr lang="es-PE" dirty="0" smtClean="0"/>
+              <a:rPr lang="es-PE" b="1" dirty="0" smtClean="0">
+                <a:solidFill>
+                  <a:schemeClr val="bg1"/>
+                </a:solidFill>
+              </a:rPr>
               <a:t>.</a:t>
             </a:r>
-            <a:endParaRPr lang="en-US" dirty="0" smtClean="0"/>
+            <a:endParaRPr lang="en-US" b="1" dirty="0" smtClean="0">
+              <a:solidFill>
+                <a:schemeClr val="bg1"/>
+              </a:solidFill>
+            </a:endParaRPr>
           </a:p>
         </p:txBody>
       </p:sp>
@@ -29360,7 +29535,7 @@
         </p:nvSpPr>
         <p:spPr>
           <a:xfrm>
-            <a:off x="6636882" y="751534"/>
+            <a:off x="6756828" y="2882270"/>
             <a:ext cx="2041498" cy="572439"/>
           </a:xfrm>
           <a:prstGeom prst="rect">
@@ -29624,14 +29799,26 @@
               <a:buNone/>
             </a:pPr>
             <a:r>
-              <a:rPr lang="es-PE" dirty="0" err="1" smtClean="0"/>
+              <a:rPr lang="es-PE" b="1" dirty="0" err="1" smtClean="0">
+                <a:solidFill>
+                  <a:schemeClr val="bg1"/>
+                </a:solidFill>
+              </a:rPr>
               <a:t>Erode</a:t>
             </a:r>
             <a:r>
-              <a:rPr lang="es-PE" dirty="0" smtClean="0"/>
+              <a:rPr lang="es-PE" b="1" dirty="0" smtClean="0">
+                <a:solidFill>
+                  <a:schemeClr val="bg1"/>
+                </a:solidFill>
+              </a:rPr>
               <a:t> and dilate</a:t>
             </a:r>
-            <a:endParaRPr lang="en-US" dirty="0" smtClean="0"/>
+            <a:endParaRPr lang="en-US" b="1" dirty="0" smtClean="0">
+              <a:solidFill>
+                <a:schemeClr val="bg1"/>
+              </a:solidFill>
+            </a:endParaRPr>
           </a:p>
         </p:txBody>
       </p:sp>
@@ -29645,7 +29832,7 @@
         </p:nvSpPr>
         <p:spPr>
           <a:xfrm>
-            <a:off x="4324391" y="4142394"/>
+            <a:off x="4769945" y="4201804"/>
             <a:ext cx="2041498" cy="572439"/>
           </a:xfrm>
           <a:prstGeom prst="rect">
@@ -29909,18 +30096,34 @@
               <a:buNone/>
             </a:pPr>
             <a:r>
-              <a:rPr lang="es-PE" dirty="0" err="1" smtClean="0"/>
+              <a:rPr lang="es-PE" b="1" dirty="0" err="1" smtClean="0">
+                <a:solidFill>
+                  <a:schemeClr val="bg1"/>
+                </a:solidFill>
+              </a:rPr>
               <a:t>Fill</a:t>
             </a:r>
             <a:r>
-              <a:rPr lang="es-PE" dirty="0" smtClean="0"/>
+              <a:rPr lang="es-PE" b="1" dirty="0" smtClean="0">
+                <a:solidFill>
+                  <a:schemeClr val="bg1"/>
+                </a:solidFill>
+              </a:rPr>
               <a:t> </a:t>
             </a:r>
             <a:r>
-              <a:rPr lang="es-PE" dirty="0" err="1" smtClean="0"/>
+              <a:rPr lang="es-PE" b="1" dirty="0" err="1" smtClean="0">
+                <a:solidFill>
+                  <a:schemeClr val="bg1"/>
+                </a:solidFill>
+              </a:rPr>
               <a:t>contours</a:t>
             </a:r>
-            <a:endParaRPr lang="en-US" dirty="0" smtClean="0"/>
+            <a:endParaRPr lang="en-US" b="1" dirty="0" smtClean="0">
+              <a:solidFill>
+                <a:schemeClr val="bg1"/>
+              </a:solidFill>
+            </a:endParaRPr>
           </a:p>
         </p:txBody>
       </p:sp>
@@ -33553,7 +33756,11 @@
             </a:pPr>
             <a:r>
               <a:rPr lang="es-PE" dirty="0" smtClean="0"/>
-              <a:t>169 ms</a:t>
+              <a:t>157 </a:t>
+            </a:r>
+            <a:r>
+              <a:rPr lang="es-PE" dirty="0" smtClean="0"/>
+              <a:t>ms</a:t>
             </a:r>
             <a:endParaRPr lang="en-US" dirty="0" smtClean="0"/>
           </a:p>
@@ -35633,7 +35840,11 @@
             </a:pPr>
             <a:r>
               <a:rPr lang="es-PE" dirty="0" smtClean="0"/>
-              <a:t>169 ms</a:t>
+              <a:t>175 </a:t>
+            </a:r>
+            <a:r>
+              <a:rPr lang="es-PE" dirty="0" smtClean="0"/>
+              <a:t>ms</a:t>
             </a:r>
             <a:endParaRPr lang="en-US" dirty="0" smtClean="0"/>
           </a:p>
@@ -37649,7 +37860,11 @@
             </a:pPr>
             <a:r>
               <a:rPr lang="es-PE" dirty="0" smtClean="0"/>
-              <a:t>169 ms</a:t>
+              <a:t>159 </a:t>
+            </a:r>
+            <a:r>
+              <a:rPr lang="es-PE" dirty="0" smtClean="0"/>
+              <a:t>ms</a:t>
             </a:r>
             <a:endParaRPr lang="en-US" dirty="0" smtClean="0"/>
           </a:p>
@@ -39665,7 +39880,11 @@
             </a:pPr>
             <a:r>
               <a:rPr lang="es-PE" dirty="0" smtClean="0"/>
-              <a:t>171 ms</a:t>
+              <a:t>164 </a:t>
+            </a:r>
+            <a:r>
+              <a:rPr lang="es-PE" dirty="0" smtClean="0"/>
+              <a:t>ms</a:t>
             </a:r>
             <a:endParaRPr lang="en-US" dirty="0" smtClean="0"/>
           </a:p>
